--- a/M10715086/kddcup期末報告.pptx
+++ b/M10715086/kddcup期末報告.pptx
@@ -5,7 +5,7 @@
     <p:sldMasterId id="2147483657" r:id="rId1"/>
   </p:sldMasterIdLst>
   <p:notesMasterIdLst>
-    <p:notesMasterId r:id="rId11"/>
+    <p:notesMasterId r:id="rId14"/>
   </p:notesMasterIdLst>
   <p:sldIdLst>
     <p:sldId id="256" r:id="rId2"/>
@@ -16,31 +16,34 @@
     <p:sldId id="300" r:id="rId7"/>
     <p:sldId id="301" r:id="rId8"/>
     <p:sldId id="284" r:id="rId9"/>
-    <p:sldId id="279" r:id="rId10"/>
+    <p:sldId id="304" r:id="rId10"/>
+    <p:sldId id="303" r:id="rId11"/>
+    <p:sldId id="302" r:id="rId12"/>
+    <p:sldId id="279" r:id="rId13"/>
   </p:sldIdLst>
   <p:sldSz cx="9144000" cy="5143500" type="screen16x9"/>
   <p:notesSz cx="6858000" cy="9144000"/>
   <p:embeddedFontLst>
     <p:embeddedFont>
+      <p:font typeface="Arvo" panose="02020500000000000000" charset="0"/>
+      <p:regular r:id="rId15"/>
+      <p:bold r:id="rId16"/>
+      <p:italic r:id="rId17"/>
+      <p:boldItalic r:id="rId18"/>
+    </p:embeddedFont>
+    <p:embeddedFont>
       <p:font typeface="Roboto Condensed" panose="02020500000000000000" charset="0"/>
-      <p:regular r:id="rId12"/>
-      <p:bold r:id="rId13"/>
-      <p:italic r:id="rId14"/>
-      <p:boldItalic r:id="rId15"/>
+      <p:regular r:id="rId19"/>
+      <p:bold r:id="rId20"/>
+      <p:italic r:id="rId21"/>
+      <p:boldItalic r:id="rId22"/>
     </p:embeddedFont>
     <p:embeddedFont>
       <p:font typeface="Roboto Condensed Light" panose="02020500000000000000" charset="0"/>
-      <p:regular r:id="rId16"/>
-      <p:bold r:id="rId17"/>
-      <p:italic r:id="rId18"/>
-      <p:boldItalic r:id="rId19"/>
-    </p:embeddedFont>
-    <p:embeddedFont>
-      <p:font typeface="Arvo" panose="02020500000000000000" charset="0"/>
-      <p:regular r:id="rId20"/>
-      <p:bold r:id="rId21"/>
-      <p:italic r:id="rId22"/>
-      <p:boldItalic r:id="rId23"/>
+      <p:regular r:id="rId23"/>
+      <p:bold r:id="rId24"/>
+      <p:italic r:id="rId25"/>
+      <p:boldItalic r:id="rId26"/>
     </p:embeddedFont>
   </p:embeddedFontLst>
   <p:defaultTextStyle>
@@ -4715,20 +4718,12 @@
           <a:lstStyle/>
           <a:p>
             <a:r>
-              <a:rPr lang="en-US" altLang="zh-TW" sz="4000" b="0" dirty="0" smtClean="0"/>
+              <a:rPr lang="en-US" altLang="zh-TW" sz="4000" b="0" dirty="0"/>
               <a:t>KDD CUP</a:t>
             </a:r>
             <a:r>
-              <a:rPr lang="zh-TW" altLang="en-US" sz="4000" b="0" dirty="0" smtClean="0"/>
-              <a:t> 期</a:t>
-            </a:r>
-            <a:r>
               <a:rPr lang="zh-TW" altLang="en-US" sz="4000" b="0" dirty="0"/>
-              <a:t>末</a:t>
-            </a:r>
-            <a:r>
-              <a:rPr lang="zh-TW" altLang="en-US" sz="4000" b="0" dirty="0" smtClean="0"/>
-              <a:t>報告</a:t>
+              <a:t> 期末報告</a:t>
             </a:r>
             <a:endParaRPr sz="4000" dirty="0"/>
           </a:p>
@@ -4763,36 +4758,35 @@
           <a:lstStyle/>
           <a:p>
             <a:r>
-              <a:rPr lang="en-US" altLang="zh-TW" dirty="0" smtClean="0"/>
+              <a:rPr lang="en-US" altLang="zh-TW" dirty="0"/>
               <a:t>M10715090 </a:t>
             </a:r>
             <a:r>
-              <a:rPr lang="zh-TW" altLang="en-US" dirty="0" smtClean="0"/>
+              <a:rPr lang="zh-TW" altLang="en-US" dirty="0"/>
               <a:t>鄭思元</a:t>
             </a:r>
-            <a:endParaRPr lang="en-US" altLang="zh-TW" dirty="0" smtClean="0"/>
+            <a:endParaRPr lang="en-US" altLang="zh-TW" dirty="0"/>
           </a:p>
           <a:p>
             <a:r>
-              <a:rPr lang="en-US" altLang="zh-TW" dirty="0" smtClean="0"/>
+              <a:rPr lang="en-US" altLang="zh-TW" dirty="0"/>
               <a:t>M10715067 </a:t>
             </a:r>
             <a:r>
-              <a:rPr lang="zh-TW" altLang="en-US" dirty="0" smtClean="0"/>
+              <a:rPr lang="zh-TW" altLang="en-US" dirty="0"/>
               <a:t>林書宇</a:t>
             </a:r>
-            <a:endParaRPr lang="en-US" altLang="zh-TW" dirty="0" smtClean="0"/>
+            <a:endParaRPr lang="en-US" altLang="zh-TW" dirty="0"/>
           </a:p>
           <a:p>
             <a:r>
-              <a:rPr lang="en-US" altLang="zh-TW" dirty="0" smtClean="0"/>
+              <a:rPr lang="en-US" altLang="zh-TW" dirty="0"/>
               <a:t>M10715086 </a:t>
             </a:r>
             <a:r>
-              <a:rPr lang="zh-TW" altLang="en-US" dirty="0" smtClean="0"/>
+              <a:rPr lang="zh-TW" altLang="en-US" dirty="0"/>
               <a:t>鍾瑀芯</a:t>
             </a:r>
-            <a:endParaRPr lang="zh-TW" altLang="en-US" dirty="0"/>
           </a:p>
         </p:txBody>
       </p:sp>
@@ -4801,13 +4795,1091 @@
   <p:clrMapOvr>
     <a:masterClrMapping/>
   </p:clrMapOvr>
-  <p:timing>
-    <p:tnLst>
-      <p:par>
-        <p:cTn id="1" dur="indefinite" restart="never" nodeType="tmRoot"/>
-      </p:par>
-    </p:tnLst>
-  </p:timing>
+</p:sld>
+</file>
+
+<file path=ppt/slides/slide10.xml><?xml version="1.0" encoding="utf-8"?>
+<p:sld xmlns:a="http://schemas.openxmlformats.org/drawingml/2006/main" xmlns:r="http://schemas.openxmlformats.org/officeDocument/2006/relationships" xmlns:p="http://schemas.openxmlformats.org/presentationml/2006/main">
+  <p:cSld>
+    <p:spTree>
+      <p:nvGrpSpPr>
+        <p:cNvPr id="1" name=""/>
+        <p:cNvGrpSpPr/>
+        <p:nvPr/>
+      </p:nvGrpSpPr>
+      <p:grpSpPr>
+        <a:xfrm>
+          <a:off x="0" y="0"/>
+          <a:ext cx="0" cy="0"/>
+          <a:chOff x="0" y="0"/>
+          <a:chExt cx="0" cy="0"/>
+        </a:xfrm>
+      </p:grpSpPr>
+      <p:sp>
+        <p:nvSpPr>
+          <p:cNvPr id="2" name="標題 1">
+            <a:extLst>
+              <a:ext uri="{FF2B5EF4-FFF2-40B4-BE49-F238E27FC236}">
+                <a16:creationId xmlns:a16="http://schemas.microsoft.com/office/drawing/2014/main" id="{B2C13323-3DA8-4637-847F-B0FEBE3D28DA}"/>
+              </a:ext>
+            </a:extLst>
+          </p:cNvPr>
+          <p:cNvSpPr>
+            <a:spLocks noGrp="1"/>
+          </p:cNvSpPr>
+          <p:nvPr>
+            <p:ph type="title"/>
+          </p:nvPr>
+        </p:nvSpPr>
+        <p:spPr/>
+        <p:txBody>
+          <a:bodyPr/>
+          <a:lstStyle/>
+          <a:p>
+            <a:r>
+              <a:rPr lang="en-US" altLang="zh-TW" b="0" dirty="0"/>
+              <a:t>Reflection</a:t>
+            </a:r>
+            <a:endParaRPr lang="zh-TW" altLang="en-US" dirty="0"/>
+          </a:p>
+        </p:txBody>
+      </p:sp>
+      <p:sp>
+        <p:nvSpPr>
+          <p:cNvPr id="3" name="文字版面配置區 2">
+            <a:extLst>
+              <a:ext uri="{FF2B5EF4-FFF2-40B4-BE49-F238E27FC236}">
+                <a16:creationId xmlns:a16="http://schemas.microsoft.com/office/drawing/2014/main" id="{A976C15C-27FF-4639-912C-A3A7CB117A1B}"/>
+              </a:ext>
+            </a:extLst>
+          </p:cNvPr>
+          <p:cNvSpPr>
+            <a:spLocks noGrp="1"/>
+          </p:cNvSpPr>
+          <p:nvPr>
+            <p:ph type="body" idx="1"/>
+          </p:nvPr>
+        </p:nvSpPr>
+        <p:spPr>
+          <a:xfrm>
+            <a:off x="814275" y="1327350"/>
+            <a:ext cx="6132600" cy="3145500"/>
+          </a:xfrm>
+        </p:spPr>
+        <p:txBody>
+          <a:bodyPr/>
+          <a:lstStyle/>
+          <a:p>
+            <a:r>
+              <a:rPr lang="en-US" altLang="zh-TW" sz="2000" dirty="0"/>
+              <a:t>Join KDD cup let us knows that many people is engage in this field and have strong skills, so we need to pay more attention in the computer science, join more competition to improve </a:t>
+            </a:r>
+            <a:r>
+              <a:rPr lang="en-US" altLang="zh-TW" sz="2000"/>
+              <a:t>our skill.  </a:t>
+            </a:r>
+            <a:endParaRPr lang="en-US" altLang="zh-TW" sz="2000" dirty="0"/>
+          </a:p>
+        </p:txBody>
+      </p:sp>
+      <p:sp>
+        <p:nvSpPr>
+          <p:cNvPr id="4" name="投影片編號版面配置區 3">
+            <a:extLst>
+              <a:ext uri="{FF2B5EF4-FFF2-40B4-BE49-F238E27FC236}">
+                <a16:creationId xmlns:a16="http://schemas.microsoft.com/office/drawing/2014/main" id="{BEDF76B1-4096-4084-8D23-A62D55C20B47}"/>
+              </a:ext>
+            </a:extLst>
+          </p:cNvPr>
+          <p:cNvSpPr>
+            <a:spLocks noGrp="1"/>
+          </p:cNvSpPr>
+          <p:nvPr>
+            <p:ph type="sldNum" idx="12"/>
+          </p:nvPr>
+        </p:nvSpPr>
+        <p:spPr/>
+        <p:txBody>
+          <a:bodyPr/>
+          <a:lstStyle/>
+          <a:p>
+            <a:pPr marL="0" lvl="0" indent="0" algn="r" rtl="0">
+              <a:spcBef>
+                <a:spcPts val="0"/>
+              </a:spcBef>
+              <a:spcAft>
+                <a:spcPts val="0"/>
+              </a:spcAft>
+              <a:buNone/>
+            </a:pPr>
+            <a:fld id="{00000000-1234-1234-1234-123412341234}" type="slidenum">
+              <a:rPr lang="en" smtClean="0"/>
+              <a:t>10</a:t>
+            </a:fld>
+            <a:endParaRPr lang="en"/>
+          </a:p>
+        </p:txBody>
+      </p:sp>
+    </p:spTree>
+    <p:extLst>
+      <p:ext uri="{BB962C8B-B14F-4D97-AF65-F5344CB8AC3E}">
+        <p14:creationId xmlns:p14="http://schemas.microsoft.com/office/powerpoint/2010/main" val="3313858412"/>
+      </p:ext>
+    </p:extLst>
+  </p:cSld>
+  <p:clrMapOvr>
+    <a:masterClrMapping/>
+  </p:clrMapOvr>
+</p:sld>
+</file>
+
+<file path=ppt/slides/slide11.xml><?xml version="1.0" encoding="utf-8"?>
+<p:sld xmlns:a="http://schemas.openxmlformats.org/drawingml/2006/main" xmlns:r="http://schemas.openxmlformats.org/officeDocument/2006/relationships" xmlns:p="http://schemas.openxmlformats.org/presentationml/2006/main">
+  <p:cSld>
+    <p:spTree>
+      <p:nvGrpSpPr>
+        <p:cNvPr id="1" name=""/>
+        <p:cNvGrpSpPr/>
+        <p:nvPr/>
+      </p:nvGrpSpPr>
+      <p:grpSpPr>
+        <a:xfrm>
+          <a:off x="0" y="0"/>
+          <a:ext cx="0" cy="0"/>
+          <a:chOff x="0" y="0"/>
+          <a:chExt cx="0" cy="0"/>
+        </a:xfrm>
+      </p:grpSpPr>
+      <p:sp>
+        <p:nvSpPr>
+          <p:cNvPr id="2" name="標題 1"/>
+          <p:cNvSpPr>
+            <a:spLocks noGrp="1"/>
+          </p:cNvSpPr>
+          <p:nvPr>
+            <p:ph type="title"/>
+          </p:nvPr>
+        </p:nvSpPr>
+        <p:spPr/>
+        <p:txBody>
+          <a:bodyPr/>
+          <a:lstStyle/>
+          <a:p>
+            <a:r>
+              <a:rPr lang="en-US" altLang="zh-TW" b="0" dirty="0"/>
+              <a:t>Division of work</a:t>
+            </a:r>
+            <a:endParaRPr lang="zh-TW" altLang="en-US" dirty="0"/>
+          </a:p>
+        </p:txBody>
+      </p:sp>
+      <p:sp>
+        <p:nvSpPr>
+          <p:cNvPr id="3" name="文字版面配置區 2"/>
+          <p:cNvSpPr>
+            <a:spLocks noGrp="1"/>
+          </p:cNvSpPr>
+          <p:nvPr>
+            <p:ph type="body" idx="1"/>
+          </p:nvPr>
+        </p:nvSpPr>
+        <p:spPr/>
+        <p:txBody>
+          <a:bodyPr/>
+          <a:lstStyle/>
+          <a:p>
+            <a:r>
+              <a:rPr lang="en-US" altLang="zh-TW" dirty="0"/>
+              <a:t>Data preprocessing : M10715067</a:t>
+            </a:r>
+            <a:r>
+              <a:rPr lang="zh-TW" altLang="en-US" dirty="0"/>
+              <a:t>林書宇</a:t>
+            </a:r>
+            <a:endParaRPr lang="en-US" altLang="zh-TW" dirty="0"/>
+          </a:p>
+          <a:p>
+            <a:pPr marL="76200" indent="0">
+              <a:buNone/>
+            </a:pPr>
+            <a:r>
+              <a:rPr lang="en-US" altLang="zh-TW" dirty="0"/>
+              <a:t>                                          M10715086</a:t>
+            </a:r>
+            <a:r>
+              <a:rPr lang="zh-TW" altLang="en-US" dirty="0"/>
+              <a:t>鍾瑀芯</a:t>
+            </a:r>
+            <a:endParaRPr lang="en-US" altLang="zh-TW" dirty="0"/>
+          </a:p>
+          <a:p>
+            <a:r>
+              <a:rPr lang="en-US" altLang="zh-TW" dirty="0"/>
+              <a:t>Model, presentation : M10715090</a:t>
+            </a:r>
+            <a:r>
+              <a:rPr lang="zh-TW" altLang="en-US" dirty="0"/>
+              <a:t>鄭思元</a:t>
+            </a:r>
+          </a:p>
+          <a:p>
+            <a:endParaRPr lang="zh-TW" altLang="en-US" dirty="0"/>
+          </a:p>
+        </p:txBody>
+      </p:sp>
+      <p:sp>
+        <p:nvSpPr>
+          <p:cNvPr id="4" name="投影片編號版面配置區 3"/>
+          <p:cNvSpPr>
+            <a:spLocks noGrp="1"/>
+          </p:cNvSpPr>
+          <p:nvPr>
+            <p:ph type="sldNum" idx="12"/>
+          </p:nvPr>
+        </p:nvSpPr>
+        <p:spPr/>
+        <p:txBody>
+          <a:bodyPr/>
+          <a:lstStyle/>
+          <a:p>
+            <a:pPr marL="0" lvl="0" indent="0" algn="r" rtl="0">
+              <a:spcBef>
+                <a:spcPts val="0"/>
+              </a:spcBef>
+              <a:spcAft>
+                <a:spcPts val="0"/>
+              </a:spcAft>
+              <a:buNone/>
+            </a:pPr>
+            <a:fld id="{00000000-1234-1234-1234-123412341234}" type="slidenum">
+              <a:rPr lang="en" smtClean="0"/>
+              <a:t>11</a:t>
+            </a:fld>
+            <a:endParaRPr lang="en"/>
+          </a:p>
+        </p:txBody>
+      </p:sp>
+    </p:spTree>
+    <p:extLst>
+      <p:ext uri="{BB962C8B-B14F-4D97-AF65-F5344CB8AC3E}">
+        <p14:creationId xmlns:p14="http://schemas.microsoft.com/office/powerpoint/2010/main" val="4290585723"/>
+      </p:ext>
+    </p:extLst>
+  </p:cSld>
+  <p:clrMapOvr>
+    <a:masterClrMapping/>
+  </p:clrMapOvr>
+</p:sld>
+</file>
+
+<file path=ppt/slides/slide12.xml><?xml version="1.0" encoding="utf-8"?>
+<p:sld xmlns:a="http://schemas.openxmlformats.org/drawingml/2006/main" xmlns:r="http://schemas.openxmlformats.org/officeDocument/2006/relationships" xmlns:p="http://schemas.openxmlformats.org/presentationml/2006/main">
+  <p:cSld>
+    <p:spTree>
+      <p:nvGrpSpPr>
+        <p:cNvPr id="1" name="Shape 501"/>
+        <p:cNvGrpSpPr/>
+        <p:nvPr/>
+      </p:nvGrpSpPr>
+      <p:grpSpPr>
+        <a:xfrm>
+          <a:off x="0" y="0"/>
+          <a:ext cx="0" cy="0"/>
+          <a:chOff x="0" y="0"/>
+          <a:chExt cx="0" cy="0"/>
+        </a:xfrm>
+      </p:grpSpPr>
+      <p:sp>
+        <p:nvSpPr>
+          <p:cNvPr id="502" name="Google Shape;502;p34"/>
+          <p:cNvSpPr txBox="1">
+            <a:spLocks noGrp="1"/>
+          </p:cNvSpPr>
+          <p:nvPr>
+            <p:ph type="sldNum" idx="12"/>
+          </p:nvPr>
+        </p:nvSpPr>
+        <p:spPr>
+          <a:xfrm>
+            <a:off x="7618000" y="4636500"/>
+            <a:ext cx="1487400" cy="315600"/>
+          </a:xfrm>
+          <a:prstGeom prst="rect">
+            <a:avLst/>
+          </a:prstGeom>
+        </p:spPr>
+        <p:txBody>
+          <a:bodyPr spcFirstLastPara="1" wrap="square" lIns="91425" tIns="91425" rIns="91425" bIns="91425" anchor="ctr" anchorCtr="0">
+            <a:noAutofit/>
+          </a:bodyPr>
+          <a:lstStyle/>
+          <a:p>
+            <a:pPr marL="0" lvl="0" indent="0" algn="r" rtl="0">
+              <a:spcBef>
+                <a:spcPts val="0"/>
+              </a:spcBef>
+              <a:spcAft>
+                <a:spcPts val="0"/>
+              </a:spcAft>
+              <a:buNone/>
+            </a:pPr>
+            <a:fld id="{00000000-1234-1234-1234-123412341234}" type="slidenum">
+              <a:rPr lang="en"/>
+              <a:t>12</a:t>
+            </a:fld>
+            <a:endParaRPr/>
+          </a:p>
+        </p:txBody>
+      </p:sp>
+      <p:sp>
+        <p:nvSpPr>
+          <p:cNvPr id="503" name="Google Shape;503;p34"/>
+          <p:cNvSpPr txBox="1">
+            <a:spLocks noGrp="1"/>
+          </p:cNvSpPr>
+          <p:nvPr>
+            <p:ph type="ctrTitle" idx="4294967295"/>
+          </p:nvPr>
+        </p:nvSpPr>
+        <p:spPr>
+          <a:xfrm>
+            <a:off x="1275150" y="2364400"/>
+            <a:ext cx="6593700" cy="1159800"/>
+          </a:xfrm>
+          <a:prstGeom prst="rect">
+            <a:avLst/>
+          </a:prstGeom>
+        </p:spPr>
+        <p:txBody>
+          <a:bodyPr spcFirstLastPara="1" wrap="square" lIns="91425" tIns="91425" rIns="91425" bIns="91425" anchor="ctr" anchorCtr="0">
+            <a:noAutofit/>
+          </a:bodyPr>
+          <a:lstStyle/>
+          <a:p>
+            <a:pPr marL="0" lvl="0" indent="0" algn="ctr" rtl="0">
+              <a:spcBef>
+                <a:spcPts val="0"/>
+              </a:spcBef>
+              <a:spcAft>
+                <a:spcPts val="0"/>
+              </a:spcAft>
+              <a:buNone/>
+            </a:pPr>
+            <a:r>
+              <a:rPr lang="en" sz="6000">
+                <a:solidFill>
+                  <a:srgbClr val="FF9800"/>
+                </a:solidFill>
+              </a:rPr>
+              <a:t>THANKS!</a:t>
+            </a:r>
+            <a:endParaRPr sz="6000">
+              <a:solidFill>
+                <a:srgbClr val="FF9800"/>
+              </a:solidFill>
+            </a:endParaRPr>
+          </a:p>
+        </p:txBody>
+      </p:sp>
+      <p:sp>
+        <p:nvSpPr>
+          <p:cNvPr id="504" name="Google Shape;504;p34"/>
+          <p:cNvSpPr txBox="1">
+            <a:spLocks noGrp="1"/>
+          </p:cNvSpPr>
+          <p:nvPr>
+            <p:ph type="subTitle" idx="4294967295"/>
+          </p:nvPr>
+        </p:nvSpPr>
+        <p:spPr>
+          <a:xfrm>
+            <a:off x="1275150" y="3230000"/>
+            <a:ext cx="6593700" cy="1342200"/>
+          </a:xfrm>
+          <a:prstGeom prst="rect">
+            <a:avLst/>
+          </a:prstGeom>
+        </p:spPr>
+        <p:txBody>
+          <a:bodyPr spcFirstLastPara="1" wrap="square" lIns="91425" tIns="91425" rIns="91425" bIns="91425" anchor="ctr" anchorCtr="0">
+            <a:noAutofit/>
+          </a:bodyPr>
+          <a:lstStyle/>
+          <a:p>
+            <a:pPr marL="0" lvl="0" indent="0" algn="ctr" rtl="0">
+              <a:spcBef>
+                <a:spcPts val="0"/>
+              </a:spcBef>
+              <a:spcAft>
+                <a:spcPts val="0"/>
+              </a:spcAft>
+              <a:buNone/>
+            </a:pPr>
+            <a:r>
+              <a:rPr lang="en-US" sz="4400" b="1" dirty="0"/>
+              <a:t>Q &amp; A</a:t>
+            </a:r>
+            <a:endParaRPr sz="4400" b="1" dirty="0"/>
+          </a:p>
+        </p:txBody>
+      </p:sp>
+      <p:grpSp>
+        <p:nvGrpSpPr>
+          <p:cNvPr id="505" name="Google Shape;505;p34"/>
+          <p:cNvGrpSpPr/>
+          <p:nvPr/>
+        </p:nvGrpSpPr>
+        <p:grpSpPr>
+          <a:xfrm>
+            <a:off x="3996210" y="966817"/>
+            <a:ext cx="1197664" cy="1126777"/>
+            <a:chOff x="5972700" y="2330200"/>
+            <a:chExt cx="411625" cy="387275"/>
+          </a:xfrm>
+        </p:grpSpPr>
+        <p:sp>
+          <p:nvSpPr>
+            <p:cNvPr id="506" name="Google Shape;506;p34"/>
+            <p:cNvSpPr/>
+            <p:nvPr/>
+          </p:nvSpPr>
+          <p:spPr>
+            <a:xfrm>
+              <a:off x="5972700" y="2476950"/>
+              <a:ext cx="98050" cy="219825"/>
+            </a:xfrm>
+            <a:custGeom>
+              <a:avLst/>
+              <a:gdLst/>
+              <a:ahLst/>
+              <a:cxnLst/>
+              <a:rect l="l" t="t" r="r" b="b"/>
+              <a:pathLst>
+                <a:path w="3922" h="8793" fill="none" extrusionOk="0">
+                  <a:moveTo>
+                    <a:pt x="0" y="0"/>
+                  </a:moveTo>
+                  <a:lnTo>
+                    <a:pt x="0" y="8792"/>
+                  </a:lnTo>
+                  <a:lnTo>
+                    <a:pt x="3921" y="8792"/>
+                  </a:lnTo>
+                  <a:lnTo>
+                    <a:pt x="3921" y="0"/>
+                  </a:lnTo>
+                  <a:lnTo>
+                    <a:pt x="0" y="0"/>
+                  </a:lnTo>
+                  <a:close/>
+                  <a:moveTo>
+                    <a:pt x="2411" y="2411"/>
+                  </a:moveTo>
+                  <a:lnTo>
+                    <a:pt x="2411" y="2411"/>
+                  </a:lnTo>
+                  <a:lnTo>
+                    <a:pt x="2265" y="2387"/>
+                  </a:lnTo>
+                  <a:lnTo>
+                    <a:pt x="2143" y="2363"/>
+                  </a:lnTo>
+                  <a:lnTo>
+                    <a:pt x="2022" y="2290"/>
+                  </a:lnTo>
+                  <a:lnTo>
+                    <a:pt x="1924" y="2216"/>
+                  </a:lnTo>
+                  <a:lnTo>
+                    <a:pt x="1827" y="2095"/>
+                  </a:lnTo>
+                  <a:lnTo>
+                    <a:pt x="1754" y="1973"/>
+                  </a:lnTo>
+                  <a:lnTo>
+                    <a:pt x="1729" y="1851"/>
+                  </a:lnTo>
+                  <a:lnTo>
+                    <a:pt x="1705" y="1705"/>
+                  </a:lnTo>
+                  <a:lnTo>
+                    <a:pt x="1705" y="1705"/>
+                  </a:lnTo>
+                  <a:lnTo>
+                    <a:pt x="1729" y="1559"/>
+                  </a:lnTo>
+                  <a:lnTo>
+                    <a:pt x="1754" y="1437"/>
+                  </a:lnTo>
+                  <a:lnTo>
+                    <a:pt x="1827" y="1315"/>
+                  </a:lnTo>
+                  <a:lnTo>
+                    <a:pt x="1924" y="1218"/>
+                  </a:lnTo>
+                  <a:lnTo>
+                    <a:pt x="2022" y="1120"/>
+                  </a:lnTo>
+                  <a:lnTo>
+                    <a:pt x="2143" y="1072"/>
+                  </a:lnTo>
+                  <a:lnTo>
+                    <a:pt x="2265" y="1023"/>
+                  </a:lnTo>
+                  <a:lnTo>
+                    <a:pt x="2411" y="999"/>
+                  </a:lnTo>
+                  <a:lnTo>
+                    <a:pt x="2411" y="999"/>
+                  </a:lnTo>
+                  <a:lnTo>
+                    <a:pt x="2557" y="1023"/>
+                  </a:lnTo>
+                  <a:lnTo>
+                    <a:pt x="2679" y="1072"/>
+                  </a:lnTo>
+                  <a:lnTo>
+                    <a:pt x="2801" y="1120"/>
+                  </a:lnTo>
+                  <a:lnTo>
+                    <a:pt x="2898" y="1218"/>
+                  </a:lnTo>
+                  <a:lnTo>
+                    <a:pt x="2996" y="1315"/>
+                  </a:lnTo>
+                  <a:lnTo>
+                    <a:pt x="3069" y="1437"/>
+                  </a:lnTo>
+                  <a:lnTo>
+                    <a:pt x="3093" y="1559"/>
+                  </a:lnTo>
+                  <a:lnTo>
+                    <a:pt x="3118" y="1705"/>
+                  </a:lnTo>
+                  <a:lnTo>
+                    <a:pt x="3118" y="1705"/>
+                  </a:lnTo>
+                  <a:lnTo>
+                    <a:pt x="3093" y="1851"/>
+                  </a:lnTo>
+                  <a:lnTo>
+                    <a:pt x="3069" y="1973"/>
+                  </a:lnTo>
+                  <a:lnTo>
+                    <a:pt x="2996" y="2095"/>
+                  </a:lnTo>
+                  <a:lnTo>
+                    <a:pt x="2898" y="2216"/>
+                  </a:lnTo>
+                  <a:lnTo>
+                    <a:pt x="2801" y="2290"/>
+                  </a:lnTo>
+                  <a:lnTo>
+                    <a:pt x="2679" y="2363"/>
+                  </a:lnTo>
+                  <a:lnTo>
+                    <a:pt x="2557" y="2387"/>
+                  </a:lnTo>
+                  <a:lnTo>
+                    <a:pt x="2411" y="2411"/>
+                  </a:lnTo>
+                  <a:lnTo>
+                    <a:pt x="2411" y="2411"/>
+                  </a:lnTo>
+                  <a:close/>
+                </a:path>
+              </a:pathLst>
+            </a:custGeom>
+            <a:noFill/>
+            <a:ln w="19050" cap="rnd" cmpd="sng">
+              <a:solidFill>
+                <a:srgbClr val="3F5378"/>
+              </a:solidFill>
+              <a:prstDash val="solid"/>
+              <a:round/>
+              <a:headEnd type="none" w="sm" len="sm"/>
+              <a:tailEnd type="none" w="sm" len="sm"/>
+            </a:ln>
+          </p:spPr>
+          <p:txBody>
+            <a:bodyPr spcFirstLastPara="1" wrap="square" lIns="91425" tIns="91425" rIns="91425" bIns="91425" anchor="ctr" anchorCtr="0">
+              <a:noAutofit/>
+            </a:bodyPr>
+            <a:lstStyle/>
+            <a:p>
+              <a:pPr marL="0" lvl="0" indent="0" algn="l" rtl="0">
+                <a:spcBef>
+                  <a:spcPts val="0"/>
+                </a:spcBef>
+                <a:spcAft>
+                  <a:spcPts val="0"/>
+                </a:spcAft>
+                <a:buNone/>
+              </a:pPr>
+              <a:endParaRPr/>
+            </a:p>
+          </p:txBody>
+        </p:sp>
+        <p:sp>
+          <p:nvSpPr>
+            <p:cNvPr id="507" name="Google Shape;507;p34"/>
+            <p:cNvSpPr/>
+            <p:nvPr/>
+          </p:nvSpPr>
+          <p:spPr>
+            <a:xfrm>
+              <a:off x="6078025" y="2330200"/>
+              <a:ext cx="306300" cy="387275"/>
+            </a:xfrm>
+            <a:custGeom>
+              <a:avLst/>
+              <a:gdLst/>
+              <a:ahLst/>
+              <a:cxnLst/>
+              <a:rect l="l" t="t" r="r" b="b"/>
+              <a:pathLst>
+                <a:path w="12252" h="15491" fill="none" extrusionOk="0">
+                  <a:moveTo>
+                    <a:pt x="1" y="13396"/>
+                  </a:moveTo>
+                  <a:lnTo>
+                    <a:pt x="1511" y="13396"/>
+                  </a:lnTo>
+                  <a:lnTo>
+                    <a:pt x="1511" y="13396"/>
+                  </a:lnTo>
+                  <a:lnTo>
+                    <a:pt x="1998" y="13639"/>
+                  </a:lnTo>
+                  <a:lnTo>
+                    <a:pt x="2680" y="13932"/>
+                  </a:lnTo>
+                  <a:lnTo>
+                    <a:pt x="3556" y="14273"/>
+                  </a:lnTo>
+                  <a:lnTo>
+                    <a:pt x="4531" y="14638"/>
+                  </a:lnTo>
+                  <a:lnTo>
+                    <a:pt x="5578" y="14955"/>
+                  </a:lnTo>
+                  <a:lnTo>
+                    <a:pt x="6114" y="15101"/>
+                  </a:lnTo>
+                  <a:lnTo>
+                    <a:pt x="6650" y="15222"/>
+                  </a:lnTo>
+                  <a:lnTo>
+                    <a:pt x="7161" y="15344"/>
+                  </a:lnTo>
+                  <a:lnTo>
+                    <a:pt x="7672" y="15417"/>
+                  </a:lnTo>
+                  <a:lnTo>
+                    <a:pt x="8135" y="15466"/>
+                  </a:lnTo>
+                  <a:lnTo>
+                    <a:pt x="8598" y="15490"/>
+                  </a:lnTo>
+                  <a:lnTo>
+                    <a:pt x="8598" y="15490"/>
+                  </a:lnTo>
+                  <a:lnTo>
+                    <a:pt x="9377" y="15490"/>
+                  </a:lnTo>
+                  <a:lnTo>
+                    <a:pt x="9791" y="15466"/>
+                  </a:lnTo>
+                  <a:lnTo>
+                    <a:pt x="10181" y="15417"/>
+                  </a:lnTo>
+                  <a:lnTo>
+                    <a:pt x="10522" y="15320"/>
+                  </a:lnTo>
+                  <a:lnTo>
+                    <a:pt x="10692" y="15271"/>
+                  </a:lnTo>
+                  <a:lnTo>
+                    <a:pt x="10814" y="15222"/>
+                  </a:lnTo>
+                  <a:lnTo>
+                    <a:pt x="10936" y="15149"/>
+                  </a:lnTo>
+                  <a:lnTo>
+                    <a:pt x="11033" y="15052"/>
+                  </a:lnTo>
+                  <a:lnTo>
+                    <a:pt x="11082" y="14955"/>
+                  </a:lnTo>
+                  <a:lnTo>
+                    <a:pt x="11131" y="14833"/>
+                  </a:lnTo>
+                  <a:lnTo>
+                    <a:pt x="11204" y="14126"/>
+                  </a:lnTo>
+                  <a:lnTo>
+                    <a:pt x="11204" y="14126"/>
+                  </a:lnTo>
+                  <a:lnTo>
+                    <a:pt x="11180" y="13956"/>
+                  </a:lnTo>
+                  <a:lnTo>
+                    <a:pt x="11131" y="13810"/>
+                  </a:lnTo>
+                  <a:lnTo>
+                    <a:pt x="11033" y="13664"/>
+                  </a:lnTo>
+                  <a:lnTo>
+                    <a:pt x="10887" y="13542"/>
+                  </a:lnTo>
+                  <a:lnTo>
+                    <a:pt x="10887" y="13542"/>
+                  </a:lnTo>
+                  <a:lnTo>
+                    <a:pt x="11009" y="13518"/>
+                  </a:lnTo>
+                  <a:lnTo>
+                    <a:pt x="11131" y="13469"/>
+                  </a:lnTo>
+                  <a:lnTo>
+                    <a:pt x="11253" y="13420"/>
+                  </a:lnTo>
+                  <a:lnTo>
+                    <a:pt x="11350" y="13323"/>
+                  </a:lnTo>
+                  <a:lnTo>
+                    <a:pt x="11423" y="13225"/>
+                  </a:lnTo>
+                  <a:lnTo>
+                    <a:pt x="11496" y="13104"/>
+                  </a:lnTo>
+                  <a:lnTo>
+                    <a:pt x="11545" y="12957"/>
+                  </a:lnTo>
+                  <a:lnTo>
+                    <a:pt x="11569" y="12836"/>
+                  </a:lnTo>
+                  <a:lnTo>
+                    <a:pt x="11642" y="11959"/>
+                  </a:lnTo>
+                  <a:lnTo>
+                    <a:pt x="11642" y="11959"/>
+                  </a:lnTo>
+                  <a:lnTo>
+                    <a:pt x="11642" y="11837"/>
+                  </a:lnTo>
+                  <a:lnTo>
+                    <a:pt x="11642" y="11740"/>
+                  </a:lnTo>
+                  <a:lnTo>
+                    <a:pt x="11618" y="11618"/>
+                  </a:lnTo>
+                  <a:lnTo>
+                    <a:pt x="11569" y="11521"/>
+                  </a:lnTo>
+                  <a:lnTo>
+                    <a:pt x="11447" y="11350"/>
+                  </a:lnTo>
+                  <a:lnTo>
+                    <a:pt x="11374" y="11277"/>
+                  </a:lnTo>
+                  <a:lnTo>
+                    <a:pt x="11301" y="11204"/>
+                  </a:lnTo>
+                  <a:lnTo>
+                    <a:pt x="11301" y="11204"/>
+                  </a:lnTo>
+                  <a:lnTo>
+                    <a:pt x="11423" y="11180"/>
+                  </a:lnTo>
+                  <a:lnTo>
+                    <a:pt x="11521" y="11131"/>
+                  </a:lnTo>
+                  <a:lnTo>
+                    <a:pt x="11618" y="11058"/>
+                  </a:lnTo>
+                  <a:lnTo>
+                    <a:pt x="11715" y="10960"/>
+                  </a:lnTo>
+                  <a:lnTo>
+                    <a:pt x="11788" y="10863"/>
+                  </a:lnTo>
+                  <a:lnTo>
+                    <a:pt x="11837" y="10766"/>
+                  </a:lnTo>
+                  <a:lnTo>
+                    <a:pt x="11886" y="10644"/>
+                  </a:lnTo>
+                  <a:lnTo>
+                    <a:pt x="11910" y="10498"/>
+                  </a:lnTo>
+                  <a:lnTo>
+                    <a:pt x="11983" y="9645"/>
+                  </a:lnTo>
+                  <a:lnTo>
+                    <a:pt x="11983" y="9645"/>
+                  </a:lnTo>
+                  <a:lnTo>
+                    <a:pt x="11983" y="9523"/>
+                  </a:lnTo>
+                  <a:lnTo>
+                    <a:pt x="11983" y="9402"/>
+                  </a:lnTo>
+                  <a:lnTo>
+                    <a:pt x="11959" y="9280"/>
+                  </a:lnTo>
+                  <a:lnTo>
+                    <a:pt x="11910" y="9182"/>
+                  </a:lnTo>
+                  <a:lnTo>
+                    <a:pt x="11861" y="9085"/>
+                  </a:lnTo>
+                  <a:lnTo>
+                    <a:pt x="11788" y="9012"/>
+                  </a:lnTo>
+                  <a:lnTo>
+                    <a:pt x="11715" y="8939"/>
+                  </a:lnTo>
+                  <a:lnTo>
+                    <a:pt x="11618" y="8866"/>
+                  </a:lnTo>
+                  <a:lnTo>
+                    <a:pt x="11618" y="8866"/>
+                  </a:lnTo>
+                  <a:lnTo>
+                    <a:pt x="11715" y="8841"/>
+                  </a:lnTo>
+                  <a:lnTo>
+                    <a:pt x="11813" y="8768"/>
+                  </a:lnTo>
+                  <a:lnTo>
+                    <a:pt x="11910" y="8695"/>
+                  </a:lnTo>
+                  <a:lnTo>
+                    <a:pt x="11983" y="8622"/>
+                  </a:lnTo>
+                  <a:lnTo>
+                    <a:pt x="12056" y="8525"/>
+                  </a:lnTo>
+                  <a:lnTo>
+                    <a:pt x="12105" y="8427"/>
+                  </a:lnTo>
+                  <a:lnTo>
+                    <a:pt x="12129" y="8306"/>
+                  </a:lnTo>
+                  <a:lnTo>
+                    <a:pt x="12154" y="8184"/>
+                  </a:lnTo>
+                  <a:lnTo>
+                    <a:pt x="12251" y="7307"/>
+                  </a:lnTo>
+                  <a:lnTo>
+                    <a:pt x="12251" y="7307"/>
+                  </a:lnTo>
+                  <a:lnTo>
+                    <a:pt x="12227" y="7185"/>
+                  </a:lnTo>
+                  <a:lnTo>
+                    <a:pt x="12202" y="7064"/>
+                  </a:lnTo>
+                  <a:lnTo>
+                    <a:pt x="12154" y="6966"/>
+                  </a:lnTo>
+                  <a:lnTo>
+                    <a:pt x="12105" y="6869"/>
+                  </a:lnTo>
+                  <a:lnTo>
+                    <a:pt x="12032" y="6771"/>
+                  </a:lnTo>
+                  <a:lnTo>
+                    <a:pt x="11935" y="6698"/>
+                  </a:lnTo>
+                  <a:lnTo>
+                    <a:pt x="11715" y="6552"/>
+                  </a:lnTo>
+                  <a:lnTo>
+                    <a:pt x="11472" y="6430"/>
+                  </a:lnTo>
+                  <a:lnTo>
+                    <a:pt x="11180" y="6333"/>
+                  </a:lnTo>
+                  <a:lnTo>
+                    <a:pt x="10863" y="6260"/>
+                  </a:lnTo>
+                  <a:lnTo>
+                    <a:pt x="10546" y="6211"/>
+                  </a:lnTo>
+                  <a:lnTo>
+                    <a:pt x="10546" y="6211"/>
+                  </a:lnTo>
+                  <a:lnTo>
+                    <a:pt x="9864" y="6114"/>
+                  </a:lnTo>
+                  <a:lnTo>
+                    <a:pt x="8817" y="6016"/>
+                  </a:lnTo>
+                  <a:lnTo>
+                    <a:pt x="7575" y="5943"/>
+                  </a:lnTo>
+                  <a:lnTo>
+                    <a:pt x="6309" y="5870"/>
+                  </a:lnTo>
+                  <a:lnTo>
+                    <a:pt x="6309" y="5870"/>
+                  </a:lnTo>
+                  <a:lnTo>
+                    <a:pt x="6479" y="5578"/>
+                  </a:lnTo>
+                  <a:lnTo>
+                    <a:pt x="6625" y="5237"/>
+                  </a:lnTo>
+                  <a:lnTo>
+                    <a:pt x="6771" y="4872"/>
+                  </a:lnTo>
+                  <a:lnTo>
+                    <a:pt x="6869" y="4482"/>
+                  </a:lnTo>
+                  <a:lnTo>
+                    <a:pt x="6966" y="4092"/>
+                  </a:lnTo>
+                  <a:lnTo>
+                    <a:pt x="7064" y="3678"/>
+                  </a:lnTo>
+                  <a:lnTo>
+                    <a:pt x="7161" y="2875"/>
+                  </a:lnTo>
+                  <a:lnTo>
+                    <a:pt x="7234" y="2144"/>
+                  </a:lnTo>
+                  <a:lnTo>
+                    <a:pt x="7283" y="1535"/>
+                  </a:lnTo>
+                  <a:lnTo>
+                    <a:pt x="7283" y="975"/>
+                  </a:lnTo>
+                  <a:lnTo>
+                    <a:pt x="7283" y="975"/>
+                  </a:lnTo>
+                  <a:lnTo>
+                    <a:pt x="7283" y="804"/>
+                  </a:lnTo>
+                  <a:lnTo>
+                    <a:pt x="7210" y="609"/>
+                  </a:lnTo>
+                  <a:lnTo>
+                    <a:pt x="7137" y="463"/>
+                  </a:lnTo>
+                  <a:lnTo>
+                    <a:pt x="7015" y="317"/>
+                  </a:lnTo>
+                  <a:lnTo>
+                    <a:pt x="6869" y="171"/>
+                  </a:lnTo>
+                  <a:lnTo>
+                    <a:pt x="6698" y="98"/>
+                  </a:lnTo>
+                  <a:lnTo>
+                    <a:pt x="6503" y="25"/>
+                  </a:lnTo>
+                  <a:lnTo>
+                    <a:pt x="6309" y="1"/>
+                  </a:lnTo>
+                  <a:lnTo>
+                    <a:pt x="6309" y="1"/>
+                  </a:lnTo>
+                  <a:lnTo>
+                    <a:pt x="5943" y="25"/>
+                  </a:lnTo>
+                  <a:lnTo>
+                    <a:pt x="5700" y="74"/>
+                  </a:lnTo>
+                  <a:lnTo>
+                    <a:pt x="5505" y="147"/>
+                  </a:lnTo>
+                  <a:lnTo>
+                    <a:pt x="5359" y="220"/>
+                  </a:lnTo>
+                  <a:lnTo>
+                    <a:pt x="5359" y="220"/>
+                  </a:lnTo>
+                  <a:lnTo>
+                    <a:pt x="4969" y="1462"/>
+                  </a:lnTo>
+                  <a:lnTo>
+                    <a:pt x="4774" y="2022"/>
+                  </a:lnTo>
+                  <a:lnTo>
+                    <a:pt x="4579" y="2534"/>
+                  </a:lnTo>
+                  <a:lnTo>
+                    <a:pt x="4385" y="2996"/>
+                  </a:lnTo>
+                  <a:lnTo>
+                    <a:pt x="4190" y="3386"/>
+                  </a:lnTo>
+                  <a:lnTo>
+                    <a:pt x="4019" y="3678"/>
+                  </a:lnTo>
+                  <a:lnTo>
+                    <a:pt x="3873" y="3922"/>
+                  </a:lnTo>
+                  <a:lnTo>
+                    <a:pt x="3873" y="3922"/>
+                  </a:lnTo>
+                  <a:lnTo>
+                    <a:pt x="3654" y="4141"/>
+                  </a:lnTo>
+                  <a:lnTo>
+                    <a:pt x="3313" y="4482"/>
+                  </a:lnTo>
+                  <a:lnTo>
+                    <a:pt x="2509" y="5237"/>
+                  </a:lnTo>
+                  <a:lnTo>
+                    <a:pt x="1438" y="6211"/>
+                  </a:lnTo>
+                  <a:lnTo>
+                    <a:pt x="1" y="6211"/>
+                  </a:lnTo>
+                </a:path>
+              </a:pathLst>
+            </a:custGeom>
+            <a:noFill/>
+            <a:ln w="19050" cap="rnd" cmpd="sng">
+              <a:solidFill>
+                <a:srgbClr val="3F5378"/>
+              </a:solidFill>
+              <a:prstDash val="solid"/>
+              <a:round/>
+              <a:headEnd type="none" w="sm" len="sm"/>
+              <a:tailEnd type="none" w="sm" len="sm"/>
+            </a:ln>
+          </p:spPr>
+          <p:txBody>
+            <a:bodyPr spcFirstLastPara="1" wrap="square" lIns="91425" tIns="91425" rIns="91425" bIns="91425" anchor="ctr" anchorCtr="0">
+              <a:noAutofit/>
+            </a:bodyPr>
+            <a:lstStyle/>
+            <a:p>
+              <a:pPr marL="0" lvl="0" indent="0" algn="l" rtl="0">
+                <a:spcBef>
+                  <a:spcPts val="0"/>
+                </a:spcBef>
+                <a:spcAft>
+                  <a:spcPts val="0"/>
+                </a:spcAft>
+                <a:buNone/>
+              </a:pPr>
+              <a:endParaRPr/>
+            </a:p>
+          </p:txBody>
+        </p:sp>
+      </p:grpSp>
+    </p:spTree>
+  </p:cSld>
+  <p:clrMapOvr>
+    <a:masterClrMapping/>
+  </p:clrMapOvr>
 </p:sld>
 </file>
 
@@ -4854,7 +5926,7 @@
           <a:lstStyle/>
           <a:p>
             <a:r>
-              <a:rPr lang="en-US" dirty="0" smtClean="0"/>
+              <a:rPr lang="en-US" dirty="0"/>
               <a:t>Preprocessing</a:t>
             </a:r>
             <a:endParaRPr dirty="0"/>
@@ -4890,10 +5962,9 @@
               <a:buNone/>
             </a:pPr>
             <a:r>
-              <a:rPr lang="en-US" altLang="zh-TW" sz="2000" dirty="0" smtClean="0"/>
+              <a:rPr lang="en-US" altLang="zh-TW" sz="2000" dirty="0"/>
               <a:t>How we deal with the features of plans :</a:t>
             </a:r>
-            <a:endParaRPr lang="en-US" altLang="zh-TW" sz="2000" dirty="0"/>
           </a:p>
           <a:p>
             <a:pPr marL="0" indent="0">
@@ -5595,37 +6666,37 @@
           <a:lstStyle/>
           <a:p>
             <a:r>
-              <a:rPr lang="zh-TW" altLang="en-US" dirty="0" smtClean="0"/>
+              <a:rPr lang="zh-TW" altLang="en-US" dirty="0"/>
               <a:t>我們把每一筆</a:t>
             </a:r>
             <a:r>
-              <a:rPr lang="en-US" altLang="zh-TW" dirty="0" smtClean="0"/>
+              <a:rPr lang="en-US" altLang="zh-TW" dirty="0"/>
               <a:t>data</a:t>
             </a:r>
             <a:r>
-              <a:rPr lang="zh-TW" altLang="en-US" dirty="0" smtClean="0"/>
+              <a:rPr lang="zh-TW" altLang="en-US" dirty="0"/>
               <a:t>的</a:t>
             </a:r>
             <a:r>
-              <a:rPr lang="en-US" altLang="zh-TW" dirty="0" smtClean="0"/>
+              <a:rPr lang="en-US" altLang="zh-TW" dirty="0"/>
               <a:t>distance, price, eta </a:t>
             </a:r>
           </a:p>
           <a:p>
             <a:r>
-              <a:rPr lang="zh-TW" altLang="en-US" dirty="0" smtClean="0"/>
+              <a:rPr lang="zh-TW" altLang="en-US" dirty="0"/>
               <a:t>都計算出</a:t>
             </a:r>
             <a:r>
-              <a:rPr lang="en-US" altLang="zh-TW" dirty="0" smtClean="0"/>
+              <a:rPr lang="en-US" altLang="zh-TW" dirty="0"/>
               <a:t>max, min, </a:t>
             </a:r>
             <a:r>
-              <a:rPr lang="en-US" altLang="zh-TW" dirty="0" err="1" smtClean="0"/>
+              <a:rPr lang="en-US" altLang="zh-TW" dirty="0" err="1"/>
               <a:t>std</a:t>
             </a:r>
             <a:r>
-              <a:rPr lang="en-US" altLang="zh-TW" dirty="0" smtClean="0"/>
+              <a:rPr lang="en-US" altLang="zh-TW" dirty="0"/>
               <a:t>, mean</a:t>
             </a:r>
             <a:endParaRPr lang="zh-TW" altLang="en-US" dirty="0"/>
@@ -5829,7 +6900,7 @@
           <a:lstStyle/>
           <a:p>
             <a:r>
-              <a:rPr lang="en-US" altLang="zh-TW" dirty="0" smtClean="0"/>
+              <a:rPr lang="en-US" altLang="zh-TW" dirty="0"/>
               <a:t>Preprocessing(cont’d)</a:t>
             </a:r>
             <a:endParaRPr lang="zh-TW" altLang="en-US" dirty="0"/>
@@ -6146,30 +7217,30 @@
           </a:lstStyle>
           <a:p>
             <a:r>
-              <a:rPr lang="en-US" altLang="zh-TW" sz="2000" dirty="0" smtClean="0"/>
+              <a:rPr lang="en-US" altLang="zh-TW" sz="2000" dirty="0"/>
               <a:t>Split [“o”, ”d”] to [“o1”, ”o2”, ”d1”, ”d2”]</a:t>
             </a:r>
           </a:p>
           <a:p>
-            <a:endParaRPr lang="en-US" altLang="zh-TW" dirty="0" smtClean="0"/>
+            <a:endParaRPr lang="en-US" altLang="zh-TW" dirty="0"/>
           </a:p>
           <a:p>
-            <a:endParaRPr lang="en-US" altLang="zh-TW" dirty="0" smtClean="0"/>
+            <a:endParaRPr lang="en-US" altLang="zh-TW" dirty="0"/>
           </a:p>
           <a:p>
-            <a:endParaRPr lang="en-US" altLang="zh-TW" dirty="0" smtClean="0"/>
+            <a:endParaRPr lang="en-US" altLang="zh-TW" dirty="0"/>
           </a:p>
           <a:p>
             <a:r>
-              <a:rPr lang="en-US" altLang="zh-TW" sz="2000" dirty="0" smtClean="0"/>
+              <a:rPr lang="en-US" altLang="zh-TW" sz="2000" dirty="0"/>
               <a:t>Take the </a:t>
             </a:r>
             <a:r>
-              <a:rPr lang="en-US" altLang="zh-TW" sz="2000" dirty="0" err="1" smtClean="0"/>
+              <a:rPr lang="en-US" altLang="zh-TW" sz="2000" dirty="0" err="1"/>
               <a:t>req_time’s</a:t>
             </a:r>
             <a:r>
-              <a:rPr lang="en-US" altLang="zh-TW" sz="2000" dirty="0" smtClean="0"/>
+              <a:rPr lang="en-US" altLang="zh-TW" sz="2000" dirty="0"/>
               <a:t> hour and day as feature </a:t>
             </a:r>
             <a:endParaRPr lang="zh-TW" altLang="en-US" sz="2000" dirty="0"/>
@@ -6978,13 +8049,6 @@
   <p:clrMapOvr>
     <a:masterClrMapping/>
   </p:clrMapOvr>
-  <p:timing>
-    <p:tnLst>
-      <p:par>
-        <p:cTn id="1" dur="indefinite" restart="never" nodeType="tmRoot"/>
-      </p:par>
-    </p:tnLst>
-  </p:timing>
 </p:sld>
 </file>
 
@@ -7710,13 +8774,6 @@
   <p:clrMapOvr>
     <a:masterClrMapping/>
   </p:clrMapOvr>
-  <p:timing>
-    <p:tnLst>
-      <p:par>
-        <p:cTn id="1" dur="indefinite" restart="never" nodeType="tmRoot"/>
-      </p:par>
-    </p:tnLst>
-  </p:timing>
 </p:sld>
 </file>
 
@@ -7798,11 +8855,7 @@
             </a:r>
             <a:r>
               <a:rPr lang="en-US" altLang="zh-TW" sz="2000" dirty="0"/>
-              <a:t>”, so we give these rows the most recommended plan(because almost 70% people will choose the most recommended plan</a:t>
-            </a:r>
-            <a:r>
-              <a:rPr lang="en-US" altLang="zh-TW" sz="2000" dirty="0" smtClean="0"/>
-              <a:t>).</a:t>
+              <a:t>”, so we give these rows the most recommended plan(because almost 70% people will choose the most recommended plan).</a:t>
             </a:r>
           </a:p>
           <a:p>
@@ -8432,13 +9485,6 @@
   <p:clrMapOvr>
     <a:masterClrMapping/>
   </p:clrMapOvr>
-  <p:timing>
-    <p:tnLst>
-      <p:par>
-        <p:cTn id="1" dur="indefinite" restart="never" nodeType="tmRoot"/>
-      </p:par>
-    </p:tnLst>
-  </p:timing>
 </p:sld>
 </file>
 
@@ -8515,10 +9561,9 @@
               <a:t> </a:t>
             </a:r>
             <a:r>
-              <a:rPr lang="en-US" altLang="zh-TW" sz="2000" dirty="0" smtClean="0"/>
+              <a:rPr lang="en-US" altLang="zh-TW" sz="2000" dirty="0"/>
               <a:t>:</a:t>
             </a:r>
-            <a:endParaRPr lang="en-US" altLang="zh-TW" sz="2000" dirty="0"/>
           </a:p>
           <a:p>
             <a:r>
@@ -8530,43 +9575,42 @@
               <a:t>click_mode</a:t>
             </a:r>
             <a:r>
-              <a:rPr lang="en-US" altLang="zh-TW" sz="2000" dirty="0" smtClean="0"/>
+              <a:rPr lang="en-US" altLang="zh-TW" sz="2000" dirty="0"/>
               <a:t>]</a:t>
             </a:r>
           </a:p>
           <a:p>
             <a:r>
-              <a:rPr lang="en-US" altLang="zh-TW" sz="2000" dirty="0" err="1" smtClean="0"/>
+              <a:rPr lang="en-US" altLang="zh-TW" sz="2000" dirty="0" err="1"/>
               <a:t>Hyperparameter</a:t>
             </a:r>
             <a:r>
-              <a:rPr lang="en-US" altLang="zh-TW" sz="2000" dirty="0" smtClean="0"/>
+              <a:rPr lang="en-US" altLang="zh-TW" sz="2000" dirty="0"/>
               <a:t> : </a:t>
             </a:r>
             <a:r>
-              <a:rPr lang="en-US" altLang="zh-TW" sz="2000" dirty="0" err="1" smtClean="0"/>
+              <a:rPr lang="en-US" altLang="zh-TW" sz="2000" dirty="0" err="1"/>
               <a:t>n_estimators</a:t>
             </a:r>
             <a:r>
-              <a:rPr lang="en-US" altLang="zh-TW" sz="2000" dirty="0" smtClean="0"/>
+              <a:rPr lang="en-US" altLang="zh-TW" sz="2000" dirty="0"/>
               <a:t> : 350, </a:t>
             </a:r>
             <a:r>
-              <a:rPr lang="en-US" altLang="zh-TW" sz="2000" dirty="0" err="1" smtClean="0"/>
+              <a:rPr lang="en-US" altLang="zh-TW" sz="2000" dirty="0" err="1"/>
               <a:t>max_depth</a:t>
             </a:r>
             <a:r>
-              <a:rPr lang="en-US" altLang="zh-TW" sz="2000" dirty="0" smtClean="0"/>
+              <a:rPr lang="en-US" altLang="zh-TW" sz="2000" dirty="0"/>
               <a:t> : 20</a:t>
             </a:r>
-            <a:endParaRPr lang="en-US" altLang="zh-TW" sz="2000" dirty="0"/>
           </a:p>
           <a:p>
             <a:pPr marL="0" indent="0">
               <a:buNone/>
             </a:pPr>
             <a:r>
-              <a:rPr lang="en-US" altLang="zh-TW" sz="2000" dirty="0" smtClean="0"/>
+              <a:rPr lang="en-US" altLang="zh-TW" sz="2000" dirty="0"/>
               <a:t>      </a:t>
             </a:r>
             <a:endParaRPr lang="zh-TW" altLang="en-US" sz="2000" dirty="0"/>
@@ -9185,13 +10229,6 @@
   <p:clrMapOvr>
     <a:masterClrMapping/>
   </p:clrMapOvr>
-  <p:timing>
-    <p:tnLst>
-      <p:par>
-        <p:cTn id="1" dur="indefinite" restart="never" nodeType="tmRoot"/>
-      </p:par>
-    </p:tnLst>
-  </p:timing>
 </p:sld>
 </file>
 
@@ -9229,11 +10266,7 @@
           <a:p>
             <a:r>
               <a:rPr lang="en-US" altLang="zh-TW" dirty="0"/>
-              <a:t>R</a:t>
-            </a:r>
-            <a:r>
-              <a:rPr lang="en-US" altLang="zh-TW" dirty="0" smtClean="0"/>
-              <a:t>ank</a:t>
+              <a:t>Rank</a:t>
             </a:r>
             <a:endParaRPr lang="zh-TW" altLang="en-US" dirty="0"/>
           </a:p>
@@ -9338,13 +10371,6 @@
   <p:clrMapOvr>
     <a:masterClrMapping/>
   </p:clrMapOvr>
-  <p:timing>
-    <p:tnLst>
-      <p:par>
-        <p:cTn id="1" dur="indefinite" restart="never" nodeType="tmRoot"/>
-      </p:par>
-    </p:tnLst>
-  </p:timing>
 </p:sld>
 </file>
 
@@ -9391,8 +10417,8 @@
           <a:lstStyle/>
           <a:p>
             <a:r>
-              <a:rPr lang="en-US" dirty="0" smtClean="0"/>
-              <a:t>discussion</a:t>
+              <a:rPr lang="en-US" dirty="0"/>
+              <a:t>Discussion</a:t>
             </a:r>
             <a:endParaRPr dirty="0"/>
           </a:p>
@@ -9428,7 +10454,7 @@
               <a:buAutoNum type="arabicPeriod"/>
             </a:pPr>
             <a:r>
-              <a:rPr lang="en-US" altLang="zh-TW" dirty="0" smtClean="0"/>
+              <a:rPr lang="en-US" altLang="zh-TW" dirty="0"/>
               <a:t>We have tried to add weather feature but it didn’t improve the score.</a:t>
             </a:r>
           </a:p>
@@ -9438,10 +10464,9 @@
               <a:buAutoNum type="arabicPeriod"/>
             </a:pPr>
             <a:r>
-              <a:rPr lang="en-US" altLang="zh-TW" dirty="0" smtClean="0"/>
+              <a:rPr lang="en-US" altLang="zh-TW" dirty="0"/>
               <a:t>We think the profile is hard to analysis. </a:t>
             </a:r>
-            <a:endParaRPr lang="en-US" altLang="zh-TW" dirty="0"/>
           </a:p>
         </p:txBody>
       </p:sp>
@@ -10067,13 +11092,6 @@
   <p:clrMapOvr>
     <a:masterClrMapping/>
   </p:clrMapOvr>
-  <p:timing>
-    <p:tnLst>
-      <p:par>
-        <p:cTn id="1" dur="indefinite" restart="never" nodeType="tmRoot"/>
-      </p:par>
-    </p:tnLst>
-  </p:timing>
 </p:sld>
 </file>
 
@@ -10082,7 +11100,7 @@
   <p:cSld>
     <p:spTree>
       <p:nvGrpSpPr>
-        <p:cNvPr id="1" name="Shape 501"/>
+        <p:cNvPr id="1" name=""/>
         <p:cNvGrpSpPr/>
         <p:nvPr/>
       </p:nvGrpSpPr>
@@ -10096,27 +11114,83 @@
       </p:grpSpPr>
       <p:sp>
         <p:nvSpPr>
-          <p:cNvPr id="502" name="Google Shape;502;p34"/>
-          <p:cNvSpPr txBox="1">
+          <p:cNvPr id="2" name="標題 1">
+            <a:extLst>
+              <a:ext uri="{FF2B5EF4-FFF2-40B4-BE49-F238E27FC236}">
+                <a16:creationId xmlns:a16="http://schemas.microsoft.com/office/drawing/2014/main" id="{4A71980F-8B4B-419C-96A3-594FE59F41E2}"/>
+              </a:ext>
+            </a:extLst>
+          </p:cNvPr>
+          <p:cNvSpPr>
+            <a:spLocks noGrp="1"/>
+          </p:cNvSpPr>
+          <p:nvPr>
+            <p:ph type="title"/>
+          </p:nvPr>
+        </p:nvSpPr>
+        <p:spPr/>
+        <p:txBody>
+          <a:bodyPr/>
+          <a:lstStyle/>
+          <a:p>
+            <a:r>
+              <a:rPr lang="en-US" altLang="zh-TW" dirty="0"/>
+              <a:t>Discussion(cont’d)</a:t>
+            </a:r>
+            <a:endParaRPr lang="zh-TW" altLang="en-US" dirty="0"/>
+          </a:p>
+        </p:txBody>
+      </p:sp>
+      <p:sp>
+        <p:nvSpPr>
+          <p:cNvPr id="3" name="文字版面配置區 2">
+            <a:extLst>
+              <a:ext uri="{FF2B5EF4-FFF2-40B4-BE49-F238E27FC236}">
+                <a16:creationId xmlns:a16="http://schemas.microsoft.com/office/drawing/2014/main" id="{64D189B0-6250-42ED-BE35-491822F25A12}"/>
+              </a:ext>
+            </a:extLst>
+          </p:cNvPr>
+          <p:cNvSpPr>
+            <a:spLocks noGrp="1"/>
+          </p:cNvSpPr>
+          <p:nvPr>
+            <p:ph type="body" idx="1"/>
+          </p:nvPr>
+        </p:nvSpPr>
+        <p:spPr/>
+        <p:txBody>
+          <a:bodyPr/>
+          <a:lstStyle/>
+          <a:p>
+            <a:r>
+              <a:rPr lang="en-US" altLang="zh-TW" sz="2000" dirty="0"/>
+              <a:t>We can find out that almost every team’s score are similar (the score gap between each team is about 0.001), so it probably means that the data is hard to predict (base on the human reaction is complexity), so maybe we can’t only think about how to improve our model, we need to choose another way to enhance our score (e.g. evaluate method).</a:t>
+            </a:r>
+          </a:p>
+          <a:p>
+            <a:endParaRPr lang="zh-TW" altLang="en-US" sz="2000" dirty="0"/>
+          </a:p>
+        </p:txBody>
+      </p:sp>
+      <p:sp>
+        <p:nvSpPr>
+          <p:cNvPr id="4" name="投影片編號版面配置區 3">
+            <a:extLst>
+              <a:ext uri="{FF2B5EF4-FFF2-40B4-BE49-F238E27FC236}">
+                <a16:creationId xmlns:a16="http://schemas.microsoft.com/office/drawing/2014/main" id="{298D7BFB-BB02-4B75-9A03-FFD8F4203DD5}"/>
+              </a:ext>
+            </a:extLst>
+          </p:cNvPr>
+          <p:cNvSpPr>
             <a:spLocks noGrp="1"/>
           </p:cNvSpPr>
           <p:nvPr>
             <p:ph type="sldNum" idx="12"/>
           </p:nvPr>
         </p:nvSpPr>
-        <p:spPr>
-          <a:xfrm>
-            <a:off x="7618000" y="4636500"/>
-            <a:ext cx="1487400" cy="315600"/>
-          </a:xfrm>
-          <a:prstGeom prst="rect">
-            <a:avLst/>
-          </a:prstGeom>
-        </p:spPr>
+        <p:spPr/>
         <p:txBody>
-          <a:bodyPr spcFirstLastPara="1" wrap="square" lIns="91425" tIns="91425" rIns="91425" bIns="91425" anchor="ctr" anchorCtr="0">
-            <a:noAutofit/>
-          </a:bodyPr>
+          <a:bodyPr/>
           <a:lstStyle/>
           <a:p>
             <a:pPr marL="0" lvl="0" indent="0" algn="r" rtl="0">
@@ -10129,758 +11203,19 @@
               <a:buNone/>
             </a:pPr>
             <a:fld id="{00000000-1234-1234-1234-123412341234}" type="slidenum">
-              <a:rPr lang="en"/>
+              <a:rPr lang="en" smtClean="0"/>
               <a:t>9</a:t>
             </a:fld>
-            <a:endParaRPr/>
+            <a:endParaRPr lang="en"/>
           </a:p>
         </p:txBody>
       </p:sp>
-      <p:sp>
-        <p:nvSpPr>
-          <p:cNvPr id="503" name="Google Shape;503;p34"/>
-          <p:cNvSpPr txBox="1">
-            <a:spLocks noGrp="1"/>
-          </p:cNvSpPr>
-          <p:nvPr>
-            <p:ph type="ctrTitle" idx="4294967295"/>
-          </p:nvPr>
-        </p:nvSpPr>
-        <p:spPr>
-          <a:xfrm>
-            <a:off x="1275150" y="2364400"/>
-            <a:ext cx="6593700" cy="1159800"/>
-          </a:xfrm>
-          <a:prstGeom prst="rect">
-            <a:avLst/>
-          </a:prstGeom>
-        </p:spPr>
-        <p:txBody>
-          <a:bodyPr spcFirstLastPara="1" wrap="square" lIns="91425" tIns="91425" rIns="91425" bIns="91425" anchor="ctr" anchorCtr="0">
-            <a:noAutofit/>
-          </a:bodyPr>
-          <a:lstStyle/>
-          <a:p>
-            <a:pPr marL="0" lvl="0" indent="0" algn="ctr" rtl="0">
-              <a:spcBef>
-                <a:spcPts val="0"/>
-              </a:spcBef>
-              <a:spcAft>
-                <a:spcPts val="0"/>
-              </a:spcAft>
-              <a:buNone/>
-            </a:pPr>
-            <a:r>
-              <a:rPr lang="en" sz="6000">
-                <a:solidFill>
-                  <a:srgbClr val="FF9800"/>
-                </a:solidFill>
-              </a:rPr>
-              <a:t>THANKS!</a:t>
-            </a:r>
-            <a:endParaRPr sz="6000">
-              <a:solidFill>
-                <a:srgbClr val="FF9800"/>
-              </a:solidFill>
-            </a:endParaRPr>
-          </a:p>
-        </p:txBody>
-      </p:sp>
-      <p:sp>
-        <p:nvSpPr>
-          <p:cNvPr id="504" name="Google Shape;504;p34"/>
-          <p:cNvSpPr txBox="1">
-            <a:spLocks noGrp="1"/>
-          </p:cNvSpPr>
-          <p:nvPr>
-            <p:ph type="subTitle" idx="4294967295"/>
-          </p:nvPr>
-        </p:nvSpPr>
-        <p:spPr>
-          <a:xfrm>
-            <a:off x="1275150" y="3230000"/>
-            <a:ext cx="6593700" cy="1342200"/>
-          </a:xfrm>
-          <a:prstGeom prst="rect">
-            <a:avLst/>
-          </a:prstGeom>
-        </p:spPr>
-        <p:txBody>
-          <a:bodyPr spcFirstLastPara="1" wrap="square" lIns="91425" tIns="91425" rIns="91425" bIns="91425" anchor="ctr" anchorCtr="0">
-            <a:noAutofit/>
-          </a:bodyPr>
-          <a:lstStyle/>
-          <a:p>
-            <a:pPr marL="0" lvl="0" indent="0" algn="ctr" rtl="0">
-              <a:spcBef>
-                <a:spcPts val="0"/>
-              </a:spcBef>
-              <a:spcAft>
-                <a:spcPts val="0"/>
-              </a:spcAft>
-              <a:buNone/>
-            </a:pPr>
-            <a:r>
-              <a:rPr lang="en-US" sz="4400" b="1" dirty="0"/>
-              <a:t>Q &amp; A</a:t>
-            </a:r>
-            <a:endParaRPr sz="4400" b="1" dirty="0"/>
-          </a:p>
-        </p:txBody>
-      </p:sp>
-      <p:grpSp>
-        <p:nvGrpSpPr>
-          <p:cNvPr id="505" name="Google Shape;505;p34"/>
-          <p:cNvGrpSpPr/>
-          <p:nvPr/>
-        </p:nvGrpSpPr>
-        <p:grpSpPr>
-          <a:xfrm>
-            <a:off x="3996210" y="966817"/>
-            <a:ext cx="1197664" cy="1126777"/>
-            <a:chOff x="5972700" y="2330200"/>
-            <a:chExt cx="411625" cy="387275"/>
-          </a:xfrm>
-        </p:grpSpPr>
-        <p:sp>
-          <p:nvSpPr>
-            <p:cNvPr id="506" name="Google Shape;506;p34"/>
-            <p:cNvSpPr/>
-            <p:nvPr/>
-          </p:nvSpPr>
-          <p:spPr>
-            <a:xfrm>
-              <a:off x="5972700" y="2476950"/>
-              <a:ext cx="98050" cy="219825"/>
-            </a:xfrm>
-            <a:custGeom>
-              <a:avLst/>
-              <a:gdLst/>
-              <a:ahLst/>
-              <a:cxnLst/>
-              <a:rect l="l" t="t" r="r" b="b"/>
-              <a:pathLst>
-                <a:path w="3922" h="8793" fill="none" extrusionOk="0">
-                  <a:moveTo>
-                    <a:pt x="0" y="0"/>
-                  </a:moveTo>
-                  <a:lnTo>
-                    <a:pt x="0" y="8792"/>
-                  </a:lnTo>
-                  <a:lnTo>
-                    <a:pt x="3921" y="8792"/>
-                  </a:lnTo>
-                  <a:lnTo>
-                    <a:pt x="3921" y="0"/>
-                  </a:lnTo>
-                  <a:lnTo>
-                    <a:pt x="0" y="0"/>
-                  </a:lnTo>
-                  <a:close/>
-                  <a:moveTo>
-                    <a:pt x="2411" y="2411"/>
-                  </a:moveTo>
-                  <a:lnTo>
-                    <a:pt x="2411" y="2411"/>
-                  </a:lnTo>
-                  <a:lnTo>
-                    <a:pt x="2265" y="2387"/>
-                  </a:lnTo>
-                  <a:lnTo>
-                    <a:pt x="2143" y="2363"/>
-                  </a:lnTo>
-                  <a:lnTo>
-                    <a:pt x="2022" y="2290"/>
-                  </a:lnTo>
-                  <a:lnTo>
-                    <a:pt x="1924" y="2216"/>
-                  </a:lnTo>
-                  <a:lnTo>
-                    <a:pt x="1827" y="2095"/>
-                  </a:lnTo>
-                  <a:lnTo>
-                    <a:pt x="1754" y="1973"/>
-                  </a:lnTo>
-                  <a:lnTo>
-                    <a:pt x="1729" y="1851"/>
-                  </a:lnTo>
-                  <a:lnTo>
-                    <a:pt x="1705" y="1705"/>
-                  </a:lnTo>
-                  <a:lnTo>
-                    <a:pt x="1705" y="1705"/>
-                  </a:lnTo>
-                  <a:lnTo>
-                    <a:pt x="1729" y="1559"/>
-                  </a:lnTo>
-                  <a:lnTo>
-                    <a:pt x="1754" y="1437"/>
-                  </a:lnTo>
-                  <a:lnTo>
-                    <a:pt x="1827" y="1315"/>
-                  </a:lnTo>
-                  <a:lnTo>
-                    <a:pt x="1924" y="1218"/>
-                  </a:lnTo>
-                  <a:lnTo>
-                    <a:pt x="2022" y="1120"/>
-                  </a:lnTo>
-                  <a:lnTo>
-                    <a:pt x="2143" y="1072"/>
-                  </a:lnTo>
-                  <a:lnTo>
-                    <a:pt x="2265" y="1023"/>
-                  </a:lnTo>
-                  <a:lnTo>
-                    <a:pt x="2411" y="999"/>
-                  </a:lnTo>
-                  <a:lnTo>
-                    <a:pt x="2411" y="999"/>
-                  </a:lnTo>
-                  <a:lnTo>
-                    <a:pt x="2557" y="1023"/>
-                  </a:lnTo>
-                  <a:lnTo>
-                    <a:pt x="2679" y="1072"/>
-                  </a:lnTo>
-                  <a:lnTo>
-                    <a:pt x="2801" y="1120"/>
-                  </a:lnTo>
-                  <a:lnTo>
-                    <a:pt x="2898" y="1218"/>
-                  </a:lnTo>
-                  <a:lnTo>
-                    <a:pt x="2996" y="1315"/>
-                  </a:lnTo>
-                  <a:lnTo>
-                    <a:pt x="3069" y="1437"/>
-                  </a:lnTo>
-                  <a:lnTo>
-                    <a:pt x="3093" y="1559"/>
-                  </a:lnTo>
-                  <a:lnTo>
-                    <a:pt x="3118" y="1705"/>
-                  </a:lnTo>
-                  <a:lnTo>
-                    <a:pt x="3118" y="1705"/>
-                  </a:lnTo>
-                  <a:lnTo>
-                    <a:pt x="3093" y="1851"/>
-                  </a:lnTo>
-                  <a:lnTo>
-                    <a:pt x="3069" y="1973"/>
-                  </a:lnTo>
-                  <a:lnTo>
-                    <a:pt x="2996" y="2095"/>
-                  </a:lnTo>
-                  <a:lnTo>
-                    <a:pt x="2898" y="2216"/>
-                  </a:lnTo>
-                  <a:lnTo>
-                    <a:pt x="2801" y="2290"/>
-                  </a:lnTo>
-                  <a:lnTo>
-                    <a:pt x="2679" y="2363"/>
-                  </a:lnTo>
-                  <a:lnTo>
-                    <a:pt x="2557" y="2387"/>
-                  </a:lnTo>
-                  <a:lnTo>
-                    <a:pt x="2411" y="2411"/>
-                  </a:lnTo>
-                  <a:lnTo>
-                    <a:pt x="2411" y="2411"/>
-                  </a:lnTo>
-                  <a:close/>
-                </a:path>
-              </a:pathLst>
-            </a:custGeom>
-            <a:noFill/>
-            <a:ln w="19050" cap="rnd" cmpd="sng">
-              <a:solidFill>
-                <a:srgbClr val="3F5378"/>
-              </a:solidFill>
-              <a:prstDash val="solid"/>
-              <a:round/>
-              <a:headEnd type="none" w="sm" len="sm"/>
-              <a:tailEnd type="none" w="sm" len="sm"/>
-            </a:ln>
-          </p:spPr>
-          <p:txBody>
-            <a:bodyPr spcFirstLastPara="1" wrap="square" lIns="91425" tIns="91425" rIns="91425" bIns="91425" anchor="ctr" anchorCtr="0">
-              <a:noAutofit/>
-            </a:bodyPr>
-            <a:lstStyle/>
-            <a:p>
-              <a:pPr marL="0" lvl="0" indent="0" algn="l" rtl="0">
-                <a:spcBef>
-                  <a:spcPts val="0"/>
-                </a:spcBef>
-                <a:spcAft>
-                  <a:spcPts val="0"/>
-                </a:spcAft>
-                <a:buNone/>
-              </a:pPr>
-              <a:endParaRPr/>
-            </a:p>
-          </p:txBody>
-        </p:sp>
-        <p:sp>
-          <p:nvSpPr>
-            <p:cNvPr id="507" name="Google Shape;507;p34"/>
-            <p:cNvSpPr/>
-            <p:nvPr/>
-          </p:nvSpPr>
-          <p:spPr>
-            <a:xfrm>
-              <a:off x="6078025" y="2330200"/>
-              <a:ext cx="306300" cy="387275"/>
-            </a:xfrm>
-            <a:custGeom>
-              <a:avLst/>
-              <a:gdLst/>
-              <a:ahLst/>
-              <a:cxnLst/>
-              <a:rect l="l" t="t" r="r" b="b"/>
-              <a:pathLst>
-                <a:path w="12252" h="15491" fill="none" extrusionOk="0">
-                  <a:moveTo>
-                    <a:pt x="1" y="13396"/>
-                  </a:moveTo>
-                  <a:lnTo>
-                    <a:pt x="1511" y="13396"/>
-                  </a:lnTo>
-                  <a:lnTo>
-                    <a:pt x="1511" y="13396"/>
-                  </a:lnTo>
-                  <a:lnTo>
-                    <a:pt x="1998" y="13639"/>
-                  </a:lnTo>
-                  <a:lnTo>
-                    <a:pt x="2680" y="13932"/>
-                  </a:lnTo>
-                  <a:lnTo>
-                    <a:pt x="3556" y="14273"/>
-                  </a:lnTo>
-                  <a:lnTo>
-                    <a:pt x="4531" y="14638"/>
-                  </a:lnTo>
-                  <a:lnTo>
-                    <a:pt x="5578" y="14955"/>
-                  </a:lnTo>
-                  <a:lnTo>
-                    <a:pt x="6114" y="15101"/>
-                  </a:lnTo>
-                  <a:lnTo>
-                    <a:pt x="6650" y="15222"/>
-                  </a:lnTo>
-                  <a:lnTo>
-                    <a:pt x="7161" y="15344"/>
-                  </a:lnTo>
-                  <a:lnTo>
-                    <a:pt x="7672" y="15417"/>
-                  </a:lnTo>
-                  <a:lnTo>
-                    <a:pt x="8135" y="15466"/>
-                  </a:lnTo>
-                  <a:lnTo>
-                    <a:pt x="8598" y="15490"/>
-                  </a:lnTo>
-                  <a:lnTo>
-                    <a:pt x="8598" y="15490"/>
-                  </a:lnTo>
-                  <a:lnTo>
-                    <a:pt x="9377" y="15490"/>
-                  </a:lnTo>
-                  <a:lnTo>
-                    <a:pt x="9791" y="15466"/>
-                  </a:lnTo>
-                  <a:lnTo>
-                    <a:pt x="10181" y="15417"/>
-                  </a:lnTo>
-                  <a:lnTo>
-                    <a:pt x="10522" y="15320"/>
-                  </a:lnTo>
-                  <a:lnTo>
-                    <a:pt x="10692" y="15271"/>
-                  </a:lnTo>
-                  <a:lnTo>
-                    <a:pt x="10814" y="15222"/>
-                  </a:lnTo>
-                  <a:lnTo>
-                    <a:pt x="10936" y="15149"/>
-                  </a:lnTo>
-                  <a:lnTo>
-                    <a:pt x="11033" y="15052"/>
-                  </a:lnTo>
-                  <a:lnTo>
-                    <a:pt x="11082" y="14955"/>
-                  </a:lnTo>
-                  <a:lnTo>
-                    <a:pt x="11131" y="14833"/>
-                  </a:lnTo>
-                  <a:lnTo>
-                    <a:pt x="11204" y="14126"/>
-                  </a:lnTo>
-                  <a:lnTo>
-                    <a:pt x="11204" y="14126"/>
-                  </a:lnTo>
-                  <a:lnTo>
-                    <a:pt x="11180" y="13956"/>
-                  </a:lnTo>
-                  <a:lnTo>
-                    <a:pt x="11131" y="13810"/>
-                  </a:lnTo>
-                  <a:lnTo>
-                    <a:pt x="11033" y="13664"/>
-                  </a:lnTo>
-                  <a:lnTo>
-                    <a:pt x="10887" y="13542"/>
-                  </a:lnTo>
-                  <a:lnTo>
-                    <a:pt x="10887" y="13542"/>
-                  </a:lnTo>
-                  <a:lnTo>
-                    <a:pt x="11009" y="13518"/>
-                  </a:lnTo>
-                  <a:lnTo>
-                    <a:pt x="11131" y="13469"/>
-                  </a:lnTo>
-                  <a:lnTo>
-                    <a:pt x="11253" y="13420"/>
-                  </a:lnTo>
-                  <a:lnTo>
-                    <a:pt x="11350" y="13323"/>
-                  </a:lnTo>
-                  <a:lnTo>
-                    <a:pt x="11423" y="13225"/>
-                  </a:lnTo>
-                  <a:lnTo>
-                    <a:pt x="11496" y="13104"/>
-                  </a:lnTo>
-                  <a:lnTo>
-                    <a:pt x="11545" y="12957"/>
-                  </a:lnTo>
-                  <a:lnTo>
-                    <a:pt x="11569" y="12836"/>
-                  </a:lnTo>
-                  <a:lnTo>
-                    <a:pt x="11642" y="11959"/>
-                  </a:lnTo>
-                  <a:lnTo>
-                    <a:pt x="11642" y="11959"/>
-                  </a:lnTo>
-                  <a:lnTo>
-                    <a:pt x="11642" y="11837"/>
-                  </a:lnTo>
-                  <a:lnTo>
-                    <a:pt x="11642" y="11740"/>
-                  </a:lnTo>
-                  <a:lnTo>
-                    <a:pt x="11618" y="11618"/>
-                  </a:lnTo>
-                  <a:lnTo>
-                    <a:pt x="11569" y="11521"/>
-                  </a:lnTo>
-                  <a:lnTo>
-                    <a:pt x="11447" y="11350"/>
-                  </a:lnTo>
-                  <a:lnTo>
-                    <a:pt x="11374" y="11277"/>
-                  </a:lnTo>
-                  <a:lnTo>
-                    <a:pt x="11301" y="11204"/>
-                  </a:lnTo>
-                  <a:lnTo>
-                    <a:pt x="11301" y="11204"/>
-                  </a:lnTo>
-                  <a:lnTo>
-                    <a:pt x="11423" y="11180"/>
-                  </a:lnTo>
-                  <a:lnTo>
-                    <a:pt x="11521" y="11131"/>
-                  </a:lnTo>
-                  <a:lnTo>
-                    <a:pt x="11618" y="11058"/>
-                  </a:lnTo>
-                  <a:lnTo>
-                    <a:pt x="11715" y="10960"/>
-                  </a:lnTo>
-                  <a:lnTo>
-                    <a:pt x="11788" y="10863"/>
-                  </a:lnTo>
-                  <a:lnTo>
-                    <a:pt x="11837" y="10766"/>
-                  </a:lnTo>
-                  <a:lnTo>
-                    <a:pt x="11886" y="10644"/>
-                  </a:lnTo>
-                  <a:lnTo>
-                    <a:pt x="11910" y="10498"/>
-                  </a:lnTo>
-                  <a:lnTo>
-                    <a:pt x="11983" y="9645"/>
-                  </a:lnTo>
-                  <a:lnTo>
-                    <a:pt x="11983" y="9645"/>
-                  </a:lnTo>
-                  <a:lnTo>
-                    <a:pt x="11983" y="9523"/>
-                  </a:lnTo>
-                  <a:lnTo>
-                    <a:pt x="11983" y="9402"/>
-                  </a:lnTo>
-                  <a:lnTo>
-                    <a:pt x="11959" y="9280"/>
-                  </a:lnTo>
-                  <a:lnTo>
-                    <a:pt x="11910" y="9182"/>
-                  </a:lnTo>
-                  <a:lnTo>
-                    <a:pt x="11861" y="9085"/>
-                  </a:lnTo>
-                  <a:lnTo>
-                    <a:pt x="11788" y="9012"/>
-                  </a:lnTo>
-                  <a:lnTo>
-                    <a:pt x="11715" y="8939"/>
-                  </a:lnTo>
-                  <a:lnTo>
-                    <a:pt x="11618" y="8866"/>
-                  </a:lnTo>
-                  <a:lnTo>
-                    <a:pt x="11618" y="8866"/>
-                  </a:lnTo>
-                  <a:lnTo>
-                    <a:pt x="11715" y="8841"/>
-                  </a:lnTo>
-                  <a:lnTo>
-                    <a:pt x="11813" y="8768"/>
-                  </a:lnTo>
-                  <a:lnTo>
-                    <a:pt x="11910" y="8695"/>
-                  </a:lnTo>
-                  <a:lnTo>
-                    <a:pt x="11983" y="8622"/>
-                  </a:lnTo>
-                  <a:lnTo>
-                    <a:pt x="12056" y="8525"/>
-                  </a:lnTo>
-                  <a:lnTo>
-                    <a:pt x="12105" y="8427"/>
-                  </a:lnTo>
-                  <a:lnTo>
-                    <a:pt x="12129" y="8306"/>
-                  </a:lnTo>
-                  <a:lnTo>
-                    <a:pt x="12154" y="8184"/>
-                  </a:lnTo>
-                  <a:lnTo>
-                    <a:pt x="12251" y="7307"/>
-                  </a:lnTo>
-                  <a:lnTo>
-                    <a:pt x="12251" y="7307"/>
-                  </a:lnTo>
-                  <a:lnTo>
-                    <a:pt x="12227" y="7185"/>
-                  </a:lnTo>
-                  <a:lnTo>
-                    <a:pt x="12202" y="7064"/>
-                  </a:lnTo>
-                  <a:lnTo>
-                    <a:pt x="12154" y="6966"/>
-                  </a:lnTo>
-                  <a:lnTo>
-                    <a:pt x="12105" y="6869"/>
-                  </a:lnTo>
-                  <a:lnTo>
-                    <a:pt x="12032" y="6771"/>
-                  </a:lnTo>
-                  <a:lnTo>
-                    <a:pt x="11935" y="6698"/>
-                  </a:lnTo>
-                  <a:lnTo>
-                    <a:pt x="11715" y="6552"/>
-                  </a:lnTo>
-                  <a:lnTo>
-                    <a:pt x="11472" y="6430"/>
-                  </a:lnTo>
-                  <a:lnTo>
-                    <a:pt x="11180" y="6333"/>
-                  </a:lnTo>
-                  <a:lnTo>
-                    <a:pt x="10863" y="6260"/>
-                  </a:lnTo>
-                  <a:lnTo>
-                    <a:pt x="10546" y="6211"/>
-                  </a:lnTo>
-                  <a:lnTo>
-                    <a:pt x="10546" y="6211"/>
-                  </a:lnTo>
-                  <a:lnTo>
-                    <a:pt x="9864" y="6114"/>
-                  </a:lnTo>
-                  <a:lnTo>
-                    <a:pt x="8817" y="6016"/>
-                  </a:lnTo>
-                  <a:lnTo>
-                    <a:pt x="7575" y="5943"/>
-                  </a:lnTo>
-                  <a:lnTo>
-                    <a:pt x="6309" y="5870"/>
-                  </a:lnTo>
-                  <a:lnTo>
-                    <a:pt x="6309" y="5870"/>
-                  </a:lnTo>
-                  <a:lnTo>
-                    <a:pt x="6479" y="5578"/>
-                  </a:lnTo>
-                  <a:lnTo>
-                    <a:pt x="6625" y="5237"/>
-                  </a:lnTo>
-                  <a:lnTo>
-                    <a:pt x="6771" y="4872"/>
-                  </a:lnTo>
-                  <a:lnTo>
-                    <a:pt x="6869" y="4482"/>
-                  </a:lnTo>
-                  <a:lnTo>
-                    <a:pt x="6966" y="4092"/>
-                  </a:lnTo>
-                  <a:lnTo>
-                    <a:pt x="7064" y="3678"/>
-                  </a:lnTo>
-                  <a:lnTo>
-                    <a:pt x="7161" y="2875"/>
-                  </a:lnTo>
-                  <a:lnTo>
-                    <a:pt x="7234" y="2144"/>
-                  </a:lnTo>
-                  <a:lnTo>
-                    <a:pt x="7283" y="1535"/>
-                  </a:lnTo>
-                  <a:lnTo>
-                    <a:pt x="7283" y="975"/>
-                  </a:lnTo>
-                  <a:lnTo>
-                    <a:pt x="7283" y="975"/>
-                  </a:lnTo>
-                  <a:lnTo>
-                    <a:pt x="7283" y="804"/>
-                  </a:lnTo>
-                  <a:lnTo>
-                    <a:pt x="7210" y="609"/>
-                  </a:lnTo>
-                  <a:lnTo>
-                    <a:pt x="7137" y="463"/>
-                  </a:lnTo>
-                  <a:lnTo>
-                    <a:pt x="7015" y="317"/>
-                  </a:lnTo>
-                  <a:lnTo>
-                    <a:pt x="6869" y="171"/>
-                  </a:lnTo>
-                  <a:lnTo>
-                    <a:pt x="6698" y="98"/>
-                  </a:lnTo>
-                  <a:lnTo>
-                    <a:pt x="6503" y="25"/>
-                  </a:lnTo>
-                  <a:lnTo>
-                    <a:pt x="6309" y="1"/>
-                  </a:lnTo>
-                  <a:lnTo>
-                    <a:pt x="6309" y="1"/>
-                  </a:lnTo>
-                  <a:lnTo>
-                    <a:pt x="5943" y="25"/>
-                  </a:lnTo>
-                  <a:lnTo>
-                    <a:pt x="5700" y="74"/>
-                  </a:lnTo>
-                  <a:lnTo>
-                    <a:pt x="5505" y="147"/>
-                  </a:lnTo>
-                  <a:lnTo>
-                    <a:pt x="5359" y="220"/>
-                  </a:lnTo>
-                  <a:lnTo>
-                    <a:pt x="5359" y="220"/>
-                  </a:lnTo>
-                  <a:lnTo>
-                    <a:pt x="4969" y="1462"/>
-                  </a:lnTo>
-                  <a:lnTo>
-                    <a:pt x="4774" y="2022"/>
-                  </a:lnTo>
-                  <a:lnTo>
-                    <a:pt x="4579" y="2534"/>
-                  </a:lnTo>
-                  <a:lnTo>
-                    <a:pt x="4385" y="2996"/>
-                  </a:lnTo>
-                  <a:lnTo>
-                    <a:pt x="4190" y="3386"/>
-                  </a:lnTo>
-                  <a:lnTo>
-                    <a:pt x="4019" y="3678"/>
-                  </a:lnTo>
-                  <a:lnTo>
-                    <a:pt x="3873" y="3922"/>
-                  </a:lnTo>
-                  <a:lnTo>
-                    <a:pt x="3873" y="3922"/>
-                  </a:lnTo>
-                  <a:lnTo>
-                    <a:pt x="3654" y="4141"/>
-                  </a:lnTo>
-                  <a:lnTo>
-                    <a:pt x="3313" y="4482"/>
-                  </a:lnTo>
-                  <a:lnTo>
-                    <a:pt x="2509" y="5237"/>
-                  </a:lnTo>
-                  <a:lnTo>
-                    <a:pt x="1438" y="6211"/>
-                  </a:lnTo>
-                  <a:lnTo>
-                    <a:pt x="1" y="6211"/>
-                  </a:lnTo>
-                </a:path>
-              </a:pathLst>
-            </a:custGeom>
-            <a:noFill/>
-            <a:ln w="19050" cap="rnd" cmpd="sng">
-              <a:solidFill>
-                <a:srgbClr val="3F5378"/>
-              </a:solidFill>
-              <a:prstDash val="solid"/>
-              <a:round/>
-              <a:headEnd type="none" w="sm" len="sm"/>
-              <a:tailEnd type="none" w="sm" len="sm"/>
-            </a:ln>
-          </p:spPr>
-          <p:txBody>
-            <a:bodyPr spcFirstLastPara="1" wrap="square" lIns="91425" tIns="91425" rIns="91425" bIns="91425" anchor="ctr" anchorCtr="0">
-              <a:noAutofit/>
-            </a:bodyPr>
-            <a:lstStyle/>
-            <a:p>
-              <a:pPr marL="0" lvl="0" indent="0" algn="l" rtl="0">
-                <a:spcBef>
-                  <a:spcPts val="0"/>
-                </a:spcBef>
-                <a:spcAft>
-                  <a:spcPts val="0"/>
-                </a:spcAft>
-                <a:buNone/>
-              </a:pPr>
-              <a:endParaRPr/>
-            </a:p>
-          </p:txBody>
-        </p:sp>
-      </p:grpSp>
     </p:spTree>
+    <p:extLst>
+      <p:ext uri="{BB962C8B-B14F-4D97-AF65-F5344CB8AC3E}">
+        <p14:creationId xmlns:p14="http://schemas.microsoft.com/office/powerpoint/2010/main" val="408553815"/>
+      </p:ext>
+    </p:extLst>
   </p:cSld>
   <p:clrMapOvr>
     <a:masterClrMapping/>
